--- a/day 4/SAC_Training Day 4.pptx
+++ b/day 4/SAC_Training Day 4.pptx
@@ -6,7 +6,7 @@
     <p:sldMasterId id="2147483660" r:id="rId2"/>
   </p:sldMasterIdLst>
   <p:notesMasterIdLst>
-    <p:notesMasterId r:id="rId16"/>
+    <p:notesMasterId r:id="rId15"/>
   </p:notesMasterIdLst>
   <p:sldIdLst>
     <p:sldId id="256" r:id="rId3"/>
@@ -19,9 +19,8 @@
     <p:sldId id="430" r:id="rId10"/>
     <p:sldId id="431" r:id="rId11"/>
     <p:sldId id="462" r:id="rId12"/>
-    <p:sldId id="475" r:id="rId13"/>
-    <p:sldId id="399" r:id="rId14"/>
-    <p:sldId id="409" r:id="rId15"/>
+    <p:sldId id="399" r:id="rId13"/>
+    <p:sldId id="409" r:id="rId14"/>
   </p:sldIdLst>
   <p:sldSz cx="12192000" cy="6858000"/>
   <p:notesSz cx="6858000" cy="9144000"/>
@@ -210,7 +209,7 @@
           <a:p>
             <a:fld id="{4AF2A06D-4991-4208-8C88-4E8BAD69A8B8}" type="datetimeFigureOut">
               <a:rPr lang="en-US" smtClean="0"/>
-              <a:t>11/17/2021</a:t>
+              <a:t>1/9/2022</a:t>
             </a:fld>
             <a:endParaRPr lang="en-US"/>
           </a:p>
@@ -673,7 +672,7 @@
                 <a:tabLst/>
                 <a:defRPr/>
               </a:pPr>
-              <a:t>13</a:t>
+              <a:t>12</a:t>
             </a:fld>
             <a:endParaRPr kumimoji="0" lang="en-US" sz="1200" b="0" i="0" u="none" strike="noStrike" kern="1200" cap="none" spc="0" normalizeH="0" baseline="0" noProof="0">
               <a:ln>
@@ -834,7 +833,7 @@
           <a:p>
             <a:fld id="{E26E0DA5-0C76-4851-AA82-0B75261F9EB4}" type="datetimeFigureOut">
               <a:rPr lang="en-US" smtClean="0"/>
-              <a:t>11/17/2021</a:t>
+              <a:t>1/9/2022</a:t>
             </a:fld>
             <a:endParaRPr lang="en-US"/>
           </a:p>
@@ -1002,7 +1001,7 @@
           <a:p>
             <a:fld id="{E26E0DA5-0C76-4851-AA82-0B75261F9EB4}" type="datetimeFigureOut">
               <a:rPr lang="en-US" smtClean="0"/>
-              <a:t>11/17/2021</a:t>
+              <a:t>1/9/2022</a:t>
             </a:fld>
             <a:endParaRPr lang="en-US"/>
           </a:p>
@@ -1180,7 +1179,7 @@
           <a:p>
             <a:fld id="{E26E0DA5-0C76-4851-AA82-0B75261F9EB4}" type="datetimeFigureOut">
               <a:rPr lang="en-US" smtClean="0"/>
-              <a:t>11/17/2021</a:t>
+              <a:t>1/9/2022</a:t>
             </a:fld>
             <a:endParaRPr lang="en-US"/>
           </a:p>
@@ -1507,7 +1506,7 @@
             <a:fld id="{9578D6DB-6798-42D2-B9AD-FC6F1C72FC30}" type="datetimeFigureOut">
               <a:rPr lang="en-US" smtClean="0"/>
               <a:pPr/>
-              <a:t>11/17/2021</a:t>
+              <a:t>1/9/2022</a:t>
             </a:fld>
             <a:endParaRPr lang="en-US"/>
           </a:p>
@@ -1749,7 +1748,7 @@
             <a:fld id="{425404F2-BE9A-4460-8815-8F645183555F}" type="datetimeFigureOut">
               <a:rPr lang="en-US" smtClean="0"/>
               <a:pPr/>
-              <a:t>11/17/2021</a:t>
+              <a:t>1/9/2022</a:t>
             </a:fld>
             <a:endParaRPr lang="en-US"/>
           </a:p>
@@ -1877,7 +1876,7 @@
             <a:fld id="{425404F2-BE9A-4460-8815-8F645183555F}" type="datetimeFigureOut">
               <a:rPr lang="en-US" smtClean="0"/>
               <a:pPr/>
-              <a:t>11/17/2021</a:t>
+              <a:t>1/9/2022</a:t>
             </a:fld>
             <a:endParaRPr lang="en-US"/>
           </a:p>
@@ -2127,7 +2126,7 @@
             <a:fld id="{425404F2-BE9A-4460-8815-8F645183555F}" type="datetimeFigureOut">
               <a:rPr lang="en-US" smtClean="0"/>
               <a:pPr/>
-              <a:t>11/17/2021</a:t>
+              <a:t>1/9/2022</a:t>
             </a:fld>
             <a:endParaRPr lang="en-US"/>
           </a:p>
@@ -2297,7 +2296,7 @@
             <a:fld id="{425404F2-BE9A-4460-8815-8F645183555F}" type="datetimeFigureOut">
               <a:rPr lang="en-US" smtClean="0"/>
               <a:pPr/>
-              <a:t>11/17/2021</a:t>
+              <a:t>1/9/2022</a:t>
             </a:fld>
             <a:endParaRPr lang="en-US"/>
           </a:p>
@@ -2584,7 +2583,7 @@
             <a:fld id="{425404F2-BE9A-4460-8815-8F645183555F}" type="datetimeFigureOut">
               <a:rPr lang="en-US" smtClean="0"/>
               <a:pPr/>
-              <a:t>11/17/2021</a:t>
+              <a:t>1/9/2022</a:t>
             </a:fld>
             <a:endParaRPr lang="en-US"/>
           </a:p>
@@ -3005,7 +3004,7 @@
             <a:fld id="{425404F2-BE9A-4460-8815-8F645183555F}" type="datetimeFigureOut">
               <a:rPr lang="en-US" smtClean="0"/>
               <a:pPr/>
-              <a:t>11/17/2021</a:t>
+              <a:t>1/9/2022</a:t>
             </a:fld>
             <a:endParaRPr lang="en-US"/>
           </a:p>
@@ -3130,7 +3129,7 @@
             <a:fld id="{425404F2-BE9A-4460-8815-8F645183555F}" type="datetimeFigureOut">
               <a:rPr lang="en-US" smtClean="0"/>
               <a:pPr/>
-              <a:t>11/17/2021</a:t>
+              <a:t>1/9/2022</a:t>
             </a:fld>
             <a:endParaRPr lang="en-US"/>
           </a:p>
@@ -3356,7 +3355,7 @@
           <a:p>
             <a:fld id="{E26E0DA5-0C76-4851-AA82-0B75261F9EB4}" type="datetimeFigureOut">
               <a:rPr lang="en-US" smtClean="0"/>
-              <a:t>11/17/2021</a:t>
+              <a:t>1/9/2022</a:t>
             </a:fld>
             <a:endParaRPr lang="en-US"/>
           </a:p>
@@ -3480,7 +3479,7 @@
             <a:fld id="{425404F2-BE9A-4460-8815-8F645183555F}" type="datetimeFigureOut">
               <a:rPr lang="en-US" smtClean="0"/>
               <a:pPr/>
-              <a:t>11/17/2021</a:t>
+              <a:t>1/9/2022</a:t>
             </a:fld>
             <a:endParaRPr lang="en-US"/>
           </a:p>
@@ -4027,7 +4026,7 @@
             <a:fld id="{425404F2-BE9A-4460-8815-8F645183555F}" type="datetimeFigureOut">
               <a:rPr lang="en-US" smtClean="0"/>
               <a:pPr/>
-              <a:t>11/17/2021</a:t>
+              <a:t>1/9/2022</a:t>
             </a:fld>
             <a:endParaRPr lang="en-US"/>
           </a:p>
@@ -4175,7 +4174,7 @@
             <a:fld id="{425404F2-BE9A-4460-8815-8F645183555F}" type="datetimeFigureOut">
               <a:rPr lang="en-US" smtClean="0"/>
               <a:pPr/>
-              <a:t>11/17/2021</a:t>
+              <a:t>1/9/2022</a:t>
             </a:fld>
             <a:endParaRPr lang="en-US"/>
           </a:p>
@@ -4408,7 +4407,7 @@
             <a:fld id="{425404F2-BE9A-4460-8815-8F645183555F}" type="datetimeFigureOut">
               <a:rPr lang="en-US" smtClean="0"/>
               <a:pPr/>
-              <a:t>11/17/2021</a:t>
+              <a:t>1/9/2022</a:t>
             </a:fld>
             <a:endParaRPr lang="en-US"/>
           </a:p>
@@ -4646,7 +4645,7 @@
             <a:fld id="{425404F2-BE9A-4460-8815-8F645183555F}" type="datetimeFigureOut">
               <a:rPr lang="en-US" smtClean="0"/>
               <a:pPr/>
-              <a:t>11/17/2021</a:t>
+              <a:t>1/9/2022</a:t>
             </a:fld>
             <a:endParaRPr lang="en-US"/>
           </a:p>
@@ -4828,7 +4827,7 @@
             <a:fld id="{425404F2-BE9A-4460-8815-8F645183555F}" type="datetimeFigureOut">
               <a:rPr lang="en-US" smtClean="0"/>
               <a:pPr/>
-              <a:t>11/17/2021</a:t>
+              <a:t>1/9/2022</a:t>
             </a:fld>
             <a:endParaRPr lang="en-US"/>
           </a:p>
@@ -5105,7 +5104,7 @@
             <a:fld id="{425404F2-BE9A-4460-8815-8F645183555F}" type="datetimeFigureOut">
               <a:rPr lang="en-US" smtClean="0"/>
               <a:pPr/>
-              <a:t>11/17/2021</a:t>
+              <a:t>1/9/2022</a:t>
             </a:fld>
             <a:endParaRPr lang="en-US"/>
           </a:p>
@@ -5359,7 +5358,7 @@
             <a:fld id="{425404F2-BE9A-4460-8815-8F645183555F}" type="datetimeFigureOut">
               <a:rPr lang="en-US" smtClean="0"/>
               <a:pPr/>
-              <a:t>11/17/2021</a:t>
+              <a:t>1/9/2022</a:t>
             </a:fld>
             <a:endParaRPr lang="en-US"/>
           </a:p>
@@ -5529,7 +5528,7 @@
             <a:fld id="{425404F2-BE9A-4460-8815-8F645183555F}" type="datetimeFigureOut">
               <a:rPr lang="en-US" smtClean="0"/>
               <a:pPr/>
-              <a:t>11/17/2021</a:t>
+              <a:t>1/9/2022</a:t>
             </a:fld>
             <a:endParaRPr lang="en-US"/>
           </a:p>
@@ -5709,7 +5708,7 @@
             <a:fld id="{425404F2-BE9A-4460-8815-8F645183555F}" type="datetimeFigureOut">
               <a:rPr lang="en-US" smtClean="0"/>
               <a:pPr/>
-              <a:t>11/17/2021</a:t>
+              <a:t>1/9/2022</a:t>
             </a:fld>
             <a:endParaRPr lang="en-US"/>
           </a:p>
@@ -5955,7 +5954,7 @@
           <a:p>
             <a:fld id="{E26E0DA5-0C76-4851-AA82-0B75261F9EB4}" type="datetimeFigureOut">
               <a:rPr lang="en-US" smtClean="0"/>
-              <a:t>11/17/2021</a:t>
+              <a:t>1/9/2022</a:t>
             </a:fld>
             <a:endParaRPr lang="en-US"/>
           </a:p>
@@ -6184,7 +6183,7 @@
           <a:p>
             <a:fld id="{E26E0DA5-0C76-4851-AA82-0B75261F9EB4}" type="datetimeFigureOut">
               <a:rPr lang="en-US" smtClean="0"/>
-              <a:t>11/17/2021</a:t>
+              <a:t>1/9/2022</a:t>
             </a:fld>
             <a:endParaRPr lang="en-US"/>
           </a:p>
@@ -6548,7 +6547,7 @@
           <a:p>
             <a:fld id="{E26E0DA5-0C76-4851-AA82-0B75261F9EB4}" type="datetimeFigureOut">
               <a:rPr lang="en-US" smtClean="0"/>
-              <a:t>11/17/2021</a:t>
+              <a:t>1/9/2022</a:t>
             </a:fld>
             <a:endParaRPr lang="en-US"/>
           </a:p>
@@ -6665,7 +6664,7 @@
           <a:p>
             <a:fld id="{E26E0DA5-0C76-4851-AA82-0B75261F9EB4}" type="datetimeFigureOut">
               <a:rPr lang="en-US" smtClean="0"/>
-              <a:t>11/17/2021</a:t>
+              <a:t>1/9/2022</a:t>
             </a:fld>
             <a:endParaRPr lang="en-US"/>
           </a:p>
@@ -6760,7 +6759,7 @@
           <a:p>
             <a:fld id="{E26E0DA5-0C76-4851-AA82-0B75261F9EB4}" type="datetimeFigureOut">
               <a:rPr lang="en-US" smtClean="0"/>
-              <a:t>11/17/2021</a:t>
+              <a:t>1/9/2022</a:t>
             </a:fld>
             <a:endParaRPr lang="en-US"/>
           </a:p>
@@ -7035,7 +7034,7 @@
           <a:p>
             <a:fld id="{E26E0DA5-0C76-4851-AA82-0B75261F9EB4}" type="datetimeFigureOut">
               <a:rPr lang="en-US" smtClean="0"/>
-              <a:t>11/17/2021</a:t>
+              <a:t>1/9/2022</a:t>
             </a:fld>
             <a:endParaRPr lang="en-US"/>
           </a:p>
@@ -7287,7 +7286,7 @@
           <a:p>
             <a:fld id="{E26E0DA5-0C76-4851-AA82-0B75261F9EB4}" type="datetimeFigureOut">
               <a:rPr lang="en-US" smtClean="0"/>
-              <a:t>11/17/2021</a:t>
+              <a:t>1/9/2022</a:t>
             </a:fld>
             <a:endParaRPr lang="en-US"/>
           </a:p>
@@ -7498,7 +7497,7 @@
           <a:p>
             <a:fld id="{E26E0DA5-0C76-4851-AA82-0B75261F9EB4}" type="datetimeFigureOut">
               <a:rPr lang="en-US" smtClean="0"/>
-              <a:t>11/17/2021</a:t>
+              <a:t>1/9/2022</a:t>
             </a:fld>
             <a:endParaRPr lang="en-US"/>
           </a:p>
@@ -8055,7 +8054,7 @@
             <a:fld id="{425404F2-BE9A-4460-8815-8F645183555F}" type="datetimeFigureOut">
               <a:rPr lang="en-US" smtClean="0"/>
               <a:pPr/>
-              <a:t>11/17/2021</a:t>
+              <a:t>1/9/2022</a:t>
             </a:fld>
             <a:endParaRPr lang="en-US"/>
           </a:p>
@@ -8616,7 +8615,7 @@
         <p:spPr>
           <a:xfrm>
             <a:off x="187367" y="2062424"/>
-            <a:ext cx="6629399" cy="1754326"/>
+            <a:ext cx="6629399" cy="1200329"/>
           </a:xfrm>
           <a:prstGeom prst="rect">
             <a:avLst/>
@@ -8653,22 +8652,15 @@
                   <a:schemeClr val="bg1"/>
                 </a:solidFill>
               </a:rPr>
-              <a:t>Shubham Singh</a:t>
-            </a:r>
-            <a:endParaRPr lang="en-US" sz="3600" spc="-150" dirty="0">
-              <a:solidFill>
-                <a:schemeClr val="bg1"/>
-              </a:solidFill>
-            </a:endParaRPr>
-          </a:p>
-          <a:p>
+              <a:t>Day </a:t>
+            </a:r>
             <a:r>
               <a:rPr lang="en-US" sz="3600" spc="-150" dirty="0">
                 <a:solidFill>
                   <a:schemeClr val="bg1"/>
                 </a:solidFill>
               </a:rPr>
-              <a:t>Day 4</a:t>
+              <a:t>4</a:t>
             </a:r>
           </a:p>
         </p:txBody>
@@ -8720,7 +8712,7 @@
           <p:cNvPr id="2" name="Title 3">
             <a:extLst>
               <a:ext uri="{FF2B5EF4-FFF2-40B4-BE49-F238E27FC236}">
-                <a16:creationId xmlns:a16="http://schemas.microsoft.com/office/drawing/2014/main" xmlns="" id="{F07FC580-E2AB-4C55-8C95-D5E077A1D127}"/>
+                <a16:creationId xmlns:a16="http://schemas.microsoft.com/office/drawing/2014/main" id="{F07FC580-E2AB-4C55-8C95-D5E077A1D127}"/>
               </a:ext>
             </a:extLst>
           </p:cNvPr>
@@ -8769,7 +8761,7 @@
           <p:cNvPr id="7" name="TextBox 6">
             <a:extLst>
               <a:ext uri="{FF2B5EF4-FFF2-40B4-BE49-F238E27FC236}">
-                <a16:creationId xmlns:a16="http://schemas.microsoft.com/office/drawing/2014/main" xmlns="" id="{17EB74BE-8011-4153-8F37-3BEF9C1F4CC0}"/>
+                <a16:creationId xmlns:a16="http://schemas.microsoft.com/office/drawing/2014/main" id="{17EB74BE-8011-4153-8F37-3BEF9C1F4CC0}"/>
               </a:ext>
             </a:extLst>
           </p:cNvPr>
@@ -8829,92 +8821,12 @@
           <a:chExt cx="0" cy="0"/>
         </a:xfrm>
       </p:grpSpPr>
-      <p:sp>
-        <p:nvSpPr>
-          <p:cNvPr id="2" name="Title 1">
-            <a:extLst>
-              <a:ext uri="{FF2B5EF4-FFF2-40B4-BE49-F238E27FC236}">
-                <a16:creationId xmlns:a16="http://schemas.microsoft.com/office/drawing/2014/main" xmlns="" id="{29CB9E00-0397-4178-9E57-32DC82D3A8F7}"/>
-              </a:ext>
-            </a:extLst>
-          </p:cNvPr>
-          <p:cNvSpPr>
-            <a:spLocks noGrp="1"/>
-          </p:cNvSpPr>
-          <p:nvPr>
-            <p:ph type="title"/>
-          </p:nvPr>
-        </p:nvSpPr>
-        <p:spPr/>
-        <p:txBody>
-          <a:bodyPr/>
-          <a:lstStyle/>
-          <a:p>
-            <a:endParaRPr lang="en-US"/>
-          </a:p>
-        </p:txBody>
-      </p:sp>
-      <p:sp>
-        <p:nvSpPr>
-          <p:cNvPr id="3" name="Content Placeholder 2">
-            <a:extLst>
-              <a:ext uri="{FF2B5EF4-FFF2-40B4-BE49-F238E27FC236}">
-                <a16:creationId xmlns:a16="http://schemas.microsoft.com/office/drawing/2014/main" xmlns="" id="{73A078A5-4F35-4958-8384-CBBBD3DED2C3}"/>
-              </a:ext>
-            </a:extLst>
-          </p:cNvPr>
-          <p:cNvSpPr>
-            <a:spLocks noGrp="1"/>
-          </p:cNvSpPr>
-          <p:nvPr>
-            <p:ph sz="quarter" idx="13"/>
-          </p:nvPr>
-        </p:nvSpPr>
-        <p:spPr/>
-        <p:txBody>
-          <a:bodyPr/>
-          <a:lstStyle/>
-          <a:p>
-            <a:endParaRPr lang="en-US"/>
-          </a:p>
-        </p:txBody>
-      </p:sp>
-    </p:spTree>
-    <p:extLst>
-      <p:ext uri="{BB962C8B-B14F-4D97-AF65-F5344CB8AC3E}">
-        <p14:creationId xmlns:p14="http://schemas.microsoft.com/office/powerpoint/2010/main" val="3265325021"/>
-      </p:ext>
-    </p:extLst>
-  </p:cSld>
-  <p:clrMapOvr>
-    <a:masterClrMapping/>
-  </p:clrMapOvr>
-</p:sld>
-</file>
-
-<file path=ppt/slides/slide12.xml><?xml version="1.0" encoding="utf-8"?>
-<p:sld xmlns:a="http://schemas.openxmlformats.org/drawingml/2006/main" xmlns:r="http://schemas.openxmlformats.org/officeDocument/2006/relationships" xmlns:p="http://schemas.openxmlformats.org/presentationml/2006/main">
-  <p:cSld>
-    <p:spTree>
-      <p:nvGrpSpPr>
-        <p:cNvPr id="1" name=""/>
-        <p:cNvGrpSpPr/>
-        <p:nvPr/>
-      </p:nvGrpSpPr>
-      <p:grpSpPr>
-        <a:xfrm>
-          <a:off x="0" y="0"/>
-          <a:ext cx="0" cy="0"/>
-          <a:chOff x="0" y="0"/>
-          <a:chExt cx="0" cy="0"/>
-        </a:xfrm>
-      </p:grpSpPr>
       <p:pic>
         <p:nvPicPr>
           <p:cNvPr id="1028" name="Picture 4" descr="Free Vector | Flat people with question marks background">
             <a:extLst>
               <a:ext uri="{FF2B5EF4-FFF2-40B4-BE49-F238E27FC236}">
-                <a16:creationId xmlns:a16="http://schemas.microsoft.com/office/drawing/2014/main" xmlns="" id="{E158EC70-4769-4E41-A278-C90EC4E480C7}"/>
+                <a16:creationId xmlns:a16="http://schemas.microsoft.com/office/drawing/2014/main" id="{E158EC70-4769-4E41-A278-C90EC4E480C7}"/>
               </a:ext>
             </a:extLst>
           </p:cNvPr>
@@ -8959,7 +8871,7 @@
           <p:cNvPr id="2" name="TextBox 1">
             <a:extLst>
               <a:ext uri="{FF2B5EF4-FFF2-40B4-BE49-F238E27FC236}">
-                <a16:creationId xmlns:a16="http://schemas.microsoft.com/office/drawing/2014/main" xmlns="" id="{994C3DB2-D47E-4B94-804B-87AF1FDEF86E}"/>
+                <a16:creationId xmlns:a16="http://schemas.microsoft.com/office/drawing/2014/main" id="{994C3DB2-D47E-4B94-804B-87AF1FDEF86E}"/>
               </a:ext>
             </a:extLst>
           </p:cNvPr>
@@ -9002,7 +8914,7 @@
 </p:sld>
 </file>
 
-<file path=ppt/slides/slide13.xml><?xml version="1.0" encoding="utf-8"?>
+<file path=ppt/slides/slide12.xml><?xml version="1.0" encoding="utf-8"?>
 <p:sld xmlns:a="http://schemas.openxmlformats.org/drawingml/2006/main" xmlns:r="http://schemas.openxmlformats.org/officeDocument/2006/relationships" xmlns:p="http://schemas.openxmlformats.org/presentationml/2006/main">
   <p:cSld>
     <p:bg>
@@ -9034,7 +8946,7 @@
           <p:cNvPr id="2052" name="Picture 4" descr="Ski Jumping Arena - Free Presentation Templates">
             <a:extLst>
               <a:ext uri="{FF2B5EF4-FFF2-40B4-BE49-F238E27FC236}">
-                <a16:creationId xmlns:a16="http://schemas.microsoft.com/office/drawing/2014/main" xmlns="" id="{B0D7E6A1-F72A-4F69-B4FB-A4ED7A0C6CED}"/>
+                <a16:creationId xmlns:a16="http://schemas.microsoft.com/office/drawing/2014/main" id="{B0D7E6A1-F72A-4F69-B4FB-A4ED7A0C6CED}"/>
               </a:ext>
             </a:extLst>
           </p:cNvPr>
@@ -9222,7 +9134,7 @@
           <p:cNvPr id="2" name="Title 3">
             <a:extLst>
               <a:ext uri="{FF2B5EF4-FFF2-40B4-BE49-F238E27FC236}">
-                <a16:creationId xmlns:a16="http://schemas.microsoft.com/office/drawing/2014/main" xmlns="" id="{F07FC580-E2AB-4C55-8C95-D5E077A1D127}"/>
+                <a16:creationId xmlns:a16="http://schemas.microsoft.com/office/drawing/2014/main" id="{F07FC580-E2AB-4C55-8C95-D5E077A1D127}"/>
               </a:ext>
             </a:extLst>
           </p:cNvPr>
@@ -9304,7 +9216,7 @@
           <p:cNvPr id="4" name="Footer Placeholder 45">
             <a:extLst>
               <a:ext uri="{FF2B5EF4-FFF2-40B4-BE49-F238E27FC236}">
-                <a16:creationId xmlns:a16="http://schemas.microsoft.com/office/drawing/2014/main" xmlns="" id="{90E33047-DFF5-4690-8905-31E4C115EFDC}"/>
+                <a16:creationId xmlns:a16="http://schemas.microsoft.com/office/drawing/2014/main" id="{90E33047-DFF5-4690-8905-31E4C115EFDC}"/>
               </a:ext>
             </a:extLst>
           </p:cNvPr>
@@ -9367,7 +9279,7 @@
           <p:cNvPr id="5" name="TextBox 4">
             <a:extLst>
               <a:ext uri="{FF2B5EF4-FFF2-40B4-BE49-F238E27FC236}">
-                <a16:creationId xmlns:a16="http://schemas.microsoft.com/office/drawing/2014/main" xmlns="" id="{27E5B41D-1DDF-48C9-A5AF-075F84492B68}"/>
+                <a16:creationId xmlns:a16="http://schemas.microsoft.com/office/drawing/2014/main" id="{27E5B41D-1DDF-48C9-A5AF-075F84492B68}"/>
               </a:ext>
             </a:extLst>
           </p:cNvPr>
@@ -10173,7 +10085,7 @@
           <p:cNvPr id="37" name="TextBox 36">
             <a:extLst>
               <a:ext uri="{FF2B5EF4-FFF2-40B4-BE49-F238E27FC236}">
-                <a16:creationId xmlns:a16="http://schemas.microsoft.com/office/drawing/2014/main" xmlns="" id="{E8CAC22F-1542-4031-BC6C-A16989886504}"/>
+                <a16:creationId xmlns:a16="http://schemas.microsoft.com/office/drawing/2014/main" id="{E8CAC22F-1542-4031-BC6C-A16989886504}"/>
               </a:ext>
             </a:extLst>
           </p:cNvPr>
@@ -10226,7 +10138,7 @@
           <p:cNvPr id="40" name="Picture 39">
             <a:extLst>
               <a:ext uri="{FF2B5EF4-FFF2-40B4-BE49-F238E27FC236}">
-                <a16:creationId xmlns:a16="http://schemas.microsoft.com/office/drawing/2014/main" xmlns="" id="{DA60E6FB-8C44-4FEB-B6E9-83DA908565CD}"/>
+                <a16:creationId xmlns:a16="http://schemas.microsoft.com/office/drawing/2014/main" id="{DA60E6FB-8C44-4FEB-B6E9-83DA908565CD}"/>
               </a:ext>
             </a:extLst>
           </p:cNvPr>
@@ -10262,7 +10174,7 @@
           <p:cNvPr id="41" name="Straight Connector 40">
             <a:extLst>
               <a:ext uri="{FF2B5EF4-FFF2-40B4-BE49-F238E27FC236}">
-                <a16:creationId xmlns:a16="http://schemas.microsoft.com/office/drawing/2014/main" xmlns="" id="{3B3B7D73-CAE9-45AC-ACCE-FAEF4E505C7A}"/>
+                <a16:creationId xmlns:a16="http://schemas.microsoft.com/office/drawing/2014/main" id="{3B3B7D73-CAE9-45AC-ACCE-FAEF4E505C7A}"/>
               </a:ext>
             </a:extLst>
           </p:cNvPr>
@@ -10298,7 +10210,7 @@
           <p:cNvPr id="2" name="TextBox 1">
             <a:extLst>
               <a:ext uri="{FF2B5EF4-FFF2-40B4-BE49-F238E27FC236}">
-                <a16:creationId xmlns:a16="http://schemas.microsoft.com/office/drawing/2014/main" xmlns="" id="{325F36DD-F600-441C-B874-CB9077882A5A}"/>
+                <a16:creationId xmlns:a16="http://schemas.microsoft.com/office/drawing/2014/main" id="{325F36DD-F600-441C-B874-CB9077882A5A}"/>
               </a:ext>
             </a:extLst>
           </p:cNvPr>
@@ -10512,7 +10424,7 @@
           <p:cNvPr id="2" name="Title 1">
             <a:extLst>
               <a:ext uri="{FF2B5EF4-FFF2-40B4-BE49-F238E27FC236}">
-                <a16:creationId xmlns:a16="http://schemas.microsoft.com/office/drawing/2014/main" xmlns="" id="{E230B051-BAA0-46ED-9C8C-30CCC7C917CF}"/>
+                <a16:creationId xmlns:a16="http://schemas.microsoft.com/office/drawing/2014/main" id="{E230B051-BAA0-46ED-9C8C-30CCC7C917CF}"/>
               </a:ext>
             </a:extLst>
           </p:cNvPr>
@@ -10540,7 +10452,7 @@
           <p:cNvPr id="3" name="Content Placeholder 2">
             <a:extLst>
               <a:ext uri="{FF2B5EF4-FFF2-40B4-BE49-F238E27FC236}">
-                <a16:creationId xmlns:a16="http://schemas.microsoft.com/office/drawing/2014/main" xmlns="" id="{A72CB540-3CBE-4C28-A8AD-15C3147A229E}"/>
+                <a16:creationId xmlns:a16="http://schemas.microsoft.com/office/drawing/2014/main" id="{A72CB540-3CBE-4C28-A8AD-15C3147A229E}"/>
               </a:ext>
             </a:extLst>
           </p:cNvPr>
@@ -10642,7 +10554,7 @@
           <p:cNvPr id="37" name="TextBox 36">
             <a:extLst>
               <a:ext uri="{FF2B5EF4-FFF2-40B4-BE49-F238E27FC236}">
-                <a16:creationId xmlns:a16="http://schemas.microsoft.com/office/drawing/2014/main" xmlns="" id="{E8CAC22F-1542-4031-BC6C-A16989886504}"/>
+                <a16:creationId xmlns:a16="http://schemas.microsoft.com/office/drawing/2014/main" id="{E8CAC22F-1542-4031-BC6C-A16989886504}"/>
               </a:ext>
             </a:extLst>
           </p:cNvPr>
@@ -10695,7 +10607,7 @@
           <p:cNvPr id="40" name="Picture 39">
             <a:extLst>
               <a:ext uri="{FF2B5EF4-FFF2-40B4-BE49-F238E27FC236}">
-                <a16:creationId xmlns:a16="http://schemas.microsoft.com/office/drawing/2014/main" xmlns="" id="{DA60E6FB-8C44-4FEB-B6E9-83DA908565CD}"/>
+                <a16:creationId xmlns:a16="http://schemas.microsoft.com/office/drawing/2014/main" id="{DA60E6FB-8C44-4FEB-B6E9-83DA908565CD}"/>
               </a:ext>
             </a:extLst>
           </p:cNvPr>
@@ -10731,7 +10643,7 @@
           <p:cNvPr id="41" name="Straight Connector 40">
             <a:extLst>
               <a:ext uri="{FF2B5EF4-FFF2-40B4-BE49-F238E27FC236}">
-                <a16:creationId xmlns:a16="http://schemas.microsoft.com/office/drawing/2014/main" xmlns="" id="{3B3B7D73-CAE9-45AC-ACCE-FAEF4E505C7A}"/>
+                <a16:creationId xmlns:a16="http://schemas.microsoft.com/office/drawing/2014/main" id="{3B3B7D73-CAE9-45AC-ACCE-FAEF4E505C7A}"/>
               </a:ext>
             </a:extLst>
           </p:cNvPr>
@@ -10767,7 +10679,7 @@
           <p:cNvPr id="2" name="TextBox 1">
             <a:extLst>
               <a:ext uri="{FF2B5EF4-FFF2-40B4-BE49-F238E27FC236}">
-                <a16:creationId xmlns:a16="http://schemas.microsoft.com/office/drawing/2014/main" xmlns="" id="{91F3CF02-2FBA-46B2-ABF5-48E8D5644BED}"/>
+                <a16:creationId xmlns:a16="http://schemas.microsoft.com/office/drawing/2014/main" id="{91F3CF02-2FBA-46B2-ABF5-48E8D5644BED}"/>
               </a:ext>
             </a:extLst>
           </p:cNvPr>
@@ -10968,7 +10880,7 @@
           <p:cNvPr id="37" name="TextBox 36">
             <a:extLst>
               <a:ext uri="{FF2B5EF4-FFF2-40B4-BE49-F238E27FC236}">
-                <a16:creationId xmlns:a16="http://schemas.microsoft.com/office/drawing/2014/main" xmlns="" id="{E8CAC22F-1542-4031-BC6C-A16989886504}"/>
+                <a16:creationId xmlns:a16="http://schemas.microsoft.com/office/drawing/2014/main" id="{E8CAC22F-1542-4031-BC6C-A16989886504}"/>
               </a:ext>
             </a:extLst>
           </p:cNvPr>
@@ -11021,7 +10933,7 @@
           <p:cNvPr id="40" name="Picture 39">
             <a:extLst>
               <a:ext uri="{FF2B5EF4-FFF2-40B4-BE49-F238E27FC236}">
-                <a16:creationId xmlns:a16="http://schemas.microsoft.com/office/drawing/2014/main" xmlns="" id="{DA60E6FB-8C44-4FEB-B6E9-83DA908565CD}"/>
+                <a16:creationId xmlns:a16="http://schemas.microsoft.com/office/drawing/2014/main" id="{DA60E6FB-8C44-4FEB-B6E9-83DA908565CD}"/>
               </a:ext>
             </a:extLst>
           </p:cNvPr>
@@ -11057,7 +10969,7 @@
           <p:cNvPr id="41" name="Straight Connector 40">
             <a:extLst>
               <a:ext uri="{FF2B5EF4-FFF2-40B4-BE49-F238E27FC236}">
-                <a16:creationId xmlns:a16="http://schemas.microsoft.com/office/drawing/2014/main" xmlns="" id="{3B3B7D73-CAE9-45AC-ACCE-FAEF4E505C7A}"/>
+                <a16:creationId xmlns:a16="http://schemas.microsoft.com/office/drawing/2014/main" id="{3B3B7D73-CAE9-45AC-ACCE-FAEF4E505C7A}"/>
               </a:ext>
             </a:extLst>
           </p:cNvPr>
@@ -11093,7 +11005,7 @@
           <p:cNvPr id="6" name="Group 5">
             <a:extLst>
               <a:ext uri="{FF2B5EF4-FFF2-40B4-BE49-F238E27FC236}">
-                <a16:creationId xmlns:a16="http://schemas.microsoft.com/office/drawing/2014/main" xmlns="" id="{B922098F-1FFB-4062-BF15-8672BA17C0BD}"/>
+                <a16:creationId xmlns:a16="http://schemas.microsoft.com/office/drawing/2014/main" id="{B922098F-1FFB-4062-BF15-8672BA17C0BD}"/>
               </a:ext>
             </a:extLst>
           </p:cNvPr>
@@ -11113,7 +11025,7 @@
             <p:cNvPr id="7" name="Picture 6">
               <a:extLst>
                 <a:ext uri="{FF2B5EF4-FFF2-40B4-BE49-F238E27FC236}">
-                  <a16:creationId xmlns:a16="http://schemas.microsoft.com/office/drawing/2014/main" xmlns="" id="{080D1882-3F11-4FA4-B41D-F874C26711DF}"/>
+                  <a16:creationId xmlns:a16="http://schemas.microsoft.com/office/drawing/2014/main" id="{080D1882-3F11-4FA4-B41D-F874C26711DF}"/>
                 </a:ext>
               </a:extLst>
             </p:cNvPr>
@@ -11151,7 +11063,7 @@
             <p:cNvPr id="8" name="TextBox 7">
               <a:extLst>
                 <a:ext uri="{FF2B5EF4-FFF2-40B4-BE49-F238E27FC236}">
-                  <a16:creationId xmlns:a16="http://schemas.microsoft.com/office/drawing/2014/main" xmlns="" id="{AC24DDD8-0165-4228-A0A4-F6D5A3BAA590}"/>
+                  <a16:creationId xmlns:a16="http://schemas.microsoft.com/office/drawing/2014/main" id="{AC24DDD8-0165-4228-A0A4-F6D5A3BAA590}"/>
                 </a:ext>
               </a:extLst>
             </p:cNvPr>
@@ -11206,7 +11118,7 @@
           <p:cNvPr id="9" name="Group 8">
             <a:extLst>
               <a:ext uri="{FF2B5EF4-FFF2-40B4-BE49-F238E27FC236}">
-                <a16:creationId xmlns:a16="http://schemas.microsoft.com/office/drawing/2014/main" xmlns="" id="{9CE782BC-4A14-4872-BC32-F4CC91313554}"/>
+                <a16:creationId xmlns:a16="http://schemas.microsoft.com/office/drawing/2014/main" id="{9CE782BC-4A14-4872-BC32-F4CC91313554}"/>
               </a:ext>
             </a:extLst>
           </p:cNvPr>
@@ -11226,7 +11138,7 @@
             <p:cNvPr id="10" name="Picture 9">
               <a:extLst>
                 <a:ext uri="{FF2B5EF4-FFF2-40B4-BE49-F238E27FC236}">
-                  <a16:creationId xmlns:a16="http://schemas.microsoft.com/office/drawing/2014/main" xmlns="" id="{B982B02A-F89D-4A64-9192-FAC6F8EA4A1A}"/>
+                  <a16:creationId xmlns:a16="http://schemas.microsoft.com/office/drawing/2014/main" id="{B982B02A-F89D-4A64-9192-FAC6F8EA4A1A}"/>
                 </a:ext>
               </a:extLst>
             </p:cNvPr>
@@ -11264,7 +11176,7 @@
             <p:cNvPr id="12" name="TextBox 11">
               <a:extLst>
                 <a:ext uri="{FF2B5EF4-FFF2-40B4-BE49-F238E27FC236}">
-                  <a16:creationId xmlns:a16="http://schemas.microsoft.com/office/drawing/2014/main" xmlns="" id="{5368FD95-6FA3-4ECB-AF21-34AD45CBA6CE}"/>
+                  <a16:creationId xmlns:a16="http://schemas.microsoft.com/office/drawing/2014/main" id="{5368FD95-6FA3-4ECB-AF21-34AD45CBA6CE}"/>
                 </a:ext>
               </a:extLst>
             </p:cNvPr>
@@ -11319,7 +11231,7 @@
           <p:cNvPr id="13" name="Group 12">
             <a:extLst>
               <a:ext uri="{FF2B5EF4-FFF2-40B4-BE49-F238E27FC236}">
-                <a16:creationId xmlns:a16="http://schemas.microsoft.com/office/drawing/2014/main" xmlns="" id="{2FAD894D-A417-44B0-8D79-BF4AB8BC698A}"/>
+                <a16:creationId xmlns:a16="http://schemas.microsoft.com/office/drawing/2014/main" id="{2FAD894D-A417-44B0-8D79-BF4AB8BC698A}"/>
               </a:ext>
             </a:extLst>
           </p:cNvPr>
@@ -11339,7 +11251,7 @@
             <p:cNvPr id="14" name="Picture 13">
               <a:extLst>
                 <a:ext uri="{FF2B5EF4-FFF2-40B4-BE49-F238E27FC236}">
-                  <a16:creationId xmlns:a16="http://schemas.microsoft.com/office/drawing/2014/main" xmlns="" id="{79BA8C90-116F-493C-9D73-97159F6E26A5}"/>
+                  <a16:creationId xmlns:a16="http://schemas.microsoft.com/office/drawing/2014/main" id="{79BA8C90-116F-493C-9D73-97159F6E26A5}"/>
                 </a:ext>
               </a:extLst>
             </p:cNvPr>
@@ -11376,7 +11288,7 @@
             <p:cNvPr id="15" name="TextBox 14">
               <a:extLst>
                 <a:ext uri="{FF2B5EF4-FFF2-40B4-BE49-F238E27FC236}">
-                  <a16:creationId xmlns:a16="http://schemas.microsoft.com/office/drawing/2014/main" xmlns="" id="{BE8A8D7A-1915-41A2-9A73-E265309F776E}"/>
+                  <a16:creationId xmlns:a16="http://schemas.microsoft.com/office/drawing/2014/main" id="{BE8A8D7A-1915-41A2-9A73-E265309F776E}"/>
                 </a:ext>
               </a:extLst>
             </p:cNvPr>
@@ -11431,7 +11343,7 @@
           <p:cNvPr id="16" name="Group 15">
             <a:extLst>
               <a:ext uri="{FF2B5EF4-FFF2-40B4-BE49-F238E27FC236}">
-                <a16:creationId xmlns:a16="http://schemas.microsoft.com/office/drawing/2014/main" xmlns="" id="{8604DE8B-F3BA-4622-915B-94D6A520CA78}"/>
+                <a16:creationId xmlns:a16="http://schemas.microsoft.com/office/drawing/2014/main" id="{8604DE8B-F3BA-4622-915B-94D6A520CA78}"/>
               </a:ext>
             </a:extLst>
           </p:cNvPr>
@@ -11451,7 +11363,7 @@
             <p:cNvPr id="17" name="Picture 16">
               <a:extLst>
                 <a:ext uri="{FF2B5EF4-FFF2-40B4-BE49-F238E27FC236}">
-                  <a16:creationId xmlns:a16="http://schemas.microsoft.com/office/drawing/2014/main" xmlns="" id="{9CF7A417-E8C7-40F2-89F0-8FF73F39A494}"/>
+                  <a16:creationId xmlns:a16="http://schemas.microsoft.com/office/drawing/2014/main" id="{9CF7A417-E8C7-40F2-89F0-8FF73F39A494}"/>
                 </a:ext>
               </a:extLst>
             </p:cNvPr>
@@ -11488,7 +11400,7 @@
             <p:cNvPr id="18" name="TextBox 17">
               <a:extLst>
                 <a:ext uri="{FF2B5EF4-FFF2-40B4-BE49-F238E27FC236}">
-                  <a16:creationId xmlns:a16="http://schemas.microsoft.com/office/drawing/2014/main" xmlns="" id="{0419ED92-7DA2-4E94-9857-335D91603D07}"/>
+                  <a16:creationId xmlns:a16="http://schemas.microsoft.com/office/drawing/2014/main" id="{0419ED92-7DA2-4E94-9857-335D91603D07}"/>
                 </a:ext>
               </a:extLst>
             </p:cNvPr>
@@ -11564,7 +11476,7 @@
           <p:cNvPr id="19" name="Group 18">
             <a:extLst>
               <a:ext uri="{FF2B5EF4-FFF2-40B4-BE49-F238E27FC236}">
-                <a16:creationId xmlns:a16="http://schemas.microsoft.com/office/drawing/2014/main" xmlns="" id="{02EAC2C0-D311-4D7C-8147-573567B2E085}"/>
+                <a16:creationId xmlns:a16="http://schemas.microsoft.com/office/drawing/2014/main" id="{02EAC2C0-D311-4D7C-8147-573567B2E085}"/>
               </a:ext>
             </a:extLst>
           </p:cNvPr>
@@ -11584,7 +11496,7 @@
             <p:cNvPr id="20" name="TextBox 19">
               <a:extLst>
                 <a:ext uri="{FF2B5EF4-FFF2-40B4-BE49-F238E27FC236}">
-                  <a16:creationId xmlns:a16="http://schemas.microsoft.com/office/drawing/2014/main" xmlns="" id="{CE2C656C-967C-4B3D-A778-8652ED0411D9}"/>
+                  <a16:creationId xmlns:a16="http://schemas.microsoft.com/office/drawing/2014/main" id="{CE2C656C-967C-4B3D-A778-8652ED0411D9}"/>
                 </a:ext>
               </a:extLst>
             </p:cNvPr>
@@ -11638,7 +11550,7 @@
             <p:cNvPr id="21" name="Picture 20">
               <a:extLst>
                 <a:ext uri="{FF2B5EF4-FFF2-40B4-BE49-F238E27FC236}">
-                  <a16:creationId xmlns:a16="http://schemas.microsoft.com/office/drawing/2014/main" xmlns="" id="{05144DE7-CE43-4242-8C95-72488188EA0A}"/>
+                  <a16:creationId xmlns:a16="http://schemas.microsoft.com/office/drawing/2014/main" id="{05144DE7-CE43-4242-8C95-72488188EA0A}"/>
                 </a:ext>
               </a:extLst>
             </p:cNvPr>
@@ -11677,7 +11589,7 @@
           <p:cNvPr id="22" name="Group 21">
             <a:extLst>
               <a:ext uri="{FF2B5EF4-FFF2-40B4-BE49-F238E27FC236}">
-                <a16:creationId xmlns:a16="http://schemas.microsoft.com/office/drawing/2014/main" xmlns="" id="{949C92DA-3550-4EA1-B394-E321C93E6F4F}"/>
+                <a16:creationId xmlns:a16="http://schemas.microsoft.com/office/drawing/2014/main" id="{949C92DA-3550-4EA1-B394-E321C93E6F4F}"/>
               </a:ext>
             </a:extLst>
           </p:cNvPr>
@@ -11697,7 +11609,7 @@
             <p:cNvPr id="23" name="TextBox 22">
               <a:extLst>
                 <a:ext uri="{FF2B5EF4-FFF2-40B4-BE49-F238E27FC236}">
-                  <a16:creationId xmlns:a16="http://schemas.microsoft.com/office/drawing/2014/main" xmlns="" id="{E9C5C1F3-BC13-434B-8CD0-21805DA1602B}"/>
+                  <a16:creationId xmlns:a16="http://schemas.microsoft.com/office/drawing/2014/main" id="{E9C5C1F3-BC13-434B-8CD0-21805DA1602B}"/>
                 </a:ext>
               </a:extLst>
             </p:cNvPr>
@@ -11773,7 +11685,7 @@
             <p:cNvPr id="24" name="Picture 23">
               <a:extLst>
                 <a:ext uri="{FF2B5EF4-FFF2-40B4-BE49-F238E27FC236}">
-                  <a16:creationId xmlns:a16="http://schemas.microsoft.com/office/drawing/2014/main" xmlns="" id="{E5889629-D83F-49EE-AA99-51FAA15BBBCB}"/>
+                  <a16:creationId xmlns:a16="http://schemas.microsoft.com/office/drawing/2014/main" id="{E5889629-D83F-49EE-AA99-51FAA15BBBCB}"/>
                 </a:ext>
               </a:extLst>
             </p:cNvPr>
@@ -11823,7 +11735,7 @@
           <p:cNvPr id="25" name="TextBox 24">
             <a:extLst>
               <a:ext uri="{FF2B5EF4-FFF2-40B4-BE49-F238E27FC236}">
-                <a16:creationId xmlns:a16="http://schemas.microsoft.com/office/drawing/2014/main" xmlns="" id="{82882557-A178-46D3-B5C8-6E42CB38C12A}"/>
+                <a16:creationId xmlns:a16="http://schemas.microsoft.com/office/drawing/2014/main" id="{82882557-A178-46D3-B5C8-6E42CB38C12A}"/>
               </a:ext>
             </a:extLst>
           </p:cNvPr>
@@ -11943,7 +11855,7 @@
           <p:cNvPr id="26" name="Group 25">
             <a:extLst>
               <a:ext uri="{FF2B5EF4-FFF2-40B4-BE49-F238E27FC236}">
-                <a16:creationId xmlns:a16="http://schemas.microsoft.com/office/drawing/2014/main" xmlns="" id="{BD85DADF-C7A3-4DC4-ABA1-E9A24E556AD8}"/>
+                <a16:creationId xmlns:a16="http://schemas.microsoft.com/office/drawing/2014/main" id="{BD85DADF-C7A3-4DC4-ABA1-E9A24E556AD8}"/>
               </a:ext>
             </a:extLst>
           </p:cNvPr>
@@ -11963,7 +11875,7 @@
             <p:cNvPr id="27" name="TextBox 26">
               <a:extLst>
                 <a:ext uri="{FF2B5EF4-FFF2-40B4-BE49-F238E27FC236}">
-                  <a16:creationId xmlns:a16="http://schemas.microsoft.com/office/drawing/2014/main" xmlns="" id="{D1AAD733-E519-41CA-B405-4A47C40D34E8}"/>
+                  <a16:creationId xmlns:a16="http://schemas.microsoft.com/office/drawing/2014/main" id="{D1AAD733-E519-41CA-B405-4A47C40D34E8}"/>
                 </a:ext>
               </a:extLst>
             </p:cNvPr>
@@ -12017,7 +11929,7 @@
             <p:cNvPr id="28" name="Group 27">
               <a:extLst>
                 <a:ext uri="{FF2B5EF4-FFF2-40B4-BE49-F238E27FC236}">
-                  <a16:creationId xmlns:a16="http://schemas.microsoft.com/office/drawing/2014/main" xmlns="" id="{CEA6C856-9F1E-41C3-A044-92E8F5B03AEC}"/>
+                  <a16:creationId xmlns:a16="http://schemas.microsoft.com/office/drawing/2014/main" id="{CEA6C856-9F1E-41C3-A044-92E8F5B03AEC}"/>
                 </a:ext>
               </a:extLst>
             </p:cNvPr>
@@ -12039,7 +11951,7 @@
               <p:cNvPr id="29" name="Picture 28">
                 <a:extLst>
                   <a:ext uri="{FF2B5EF4-FFF2-40B4-BE49-F238E27FC236}">
-                    <a16:creationId xmlns:a16="http://schemas.microsoft.com/office/drawing/2014/main" xmlns="" id="{97EB3810-E704-4341-B71B-DCB048A5AC43}"/>
+                    <a16:creationId xmlns:a16="http://schemas.microsoft.com/office/drawing/2014/main" id="{97EB3810-E704-4341-B71B-DCB048A5AC43}"/>
                   </a:ext>
                 </a:extLst>
               </p:cNvPr>
@@ -12076,7 +11988,7 @@
               <p:cNvPr id="30" name="Picture 29">
                 <a:extLst>
                   <a:ext uri="{FF2B5EF4-FFF2-40B4-BE49-F238E27FC236}">
-                    <a16:creationId xmlns:a16="http://schemas.microsoft.com/office/drawing/2014/main" xmlns="" id="{27A40501-6359-481C-A353-917E35C73F78}"/>
+                    <a16:creationId xmlns:a16="http://schemas.microsoft.com/office/drawing/2014/main" id="{27A40501-6359-481C-A353-917E35C73F78}"/>
                   </a:ext>
                 </a:extLst>
               </p:cNvPr>
@@ -12185,7 +12097,7 @@
           <p:cNvPr id="37" name="TextBox 36">
             <a:extLst>
               <a:ext uri="{FF2B5EF4-FFF2-40B4-BE49-F238E27FC236}">
-                <a16:creationId xmlns:a16="http://schemas.microsoft.com/office/drawing/2014/main" xmlns="" id="{E8CAC22F-1542-4031-BC6C-A16989886504}"/>
+                <a16:creationId xmlns:a16="http://schemas.microsoft.com/office/drawing/2014/main" id="{E8CAC22F-1542-4031-BC6C-A16989886504}"/>
               </a:ext>
             </a:extLst>
           </p:cNvPr>
@@ -12238,7 +12150,7 @@
           <p:cNvPr id="40" name="Picture 39">
             <a:extLst>
               <a:ext uri="{FF2B5EF4-FFF2-40B4-BE49-F238E27FC236}">
-                <a16:creationId xmlns:a16="http://schemas.microsoft.com/office/drawing/2014/main" xmlns="" id="{DA60E6FB-8C44-4FEB-B6E9-83DA908565CD}"/>
+                <a16:creationId xmlns:a16="http://schemas.microsoft.com/office/drawing/2014/main" id="{DA60E6FB-8C44-4FEB-B6E9-83DA908565CD}"/>
               </a:ext>
             </a:extLst>
           </p:cNvPr>
@@ -12274,7 +12186,7 @@
           <p:cNvPr id="41" name="Straight Connector 40">
             <a:extLst>
               <a:ext uri="{FF2B5EF4-FFF2-40B4-BE49-F238E27FC236}">
-                <a16:creationId xmlns:a16="http://schemas.microsoft.com/office/drawing/2014/main" xmlns="" id="{3B3B7D73-CAE9-45AC-ACCE-FAEF4E505C7A}"/>
+                <a16:creationId xmlns:a16="http://schemas.microsoft.com/office/drawing/2014/main" id="{3B3B7D73-CAE9-45AC-ACCE-FAEF4E505C7A}"/>
               </a:ext>
             </a:extLst>
           </p:cNvPr>
@@ -12310,7 +12222,7 @@
           <p:cNvPr id="2" name="TextBox 1">
             <a:extLst>
               <a:ext uri="{FF2B5EF4-FFF2-40B4-BE49-F238E27FC236}">
-                <a16:creationId xmlns:a16="http://schemas.microsoft.com/office/drawing/2014/main" xmlns="" id="{CD1D6D39-D325-4109-A88D-DC1838B69358}"/>
+                <a16:creationId xmlns:a16="http://schemas.microsoft.com/office/drawing/2014/main" id="{CD1D6D39-D325-4109-A88D-DC1838B69358}"/>
               </a:ext>
             </a:extLst>
           </p:cNvPr>
@@ -12502,7 +12414,7 @@
           <p:cNvPr id="37" name="TextBox 36">
             <a:extLst>
               <a:ext uri="{FF2B5EF4-FFF2-40B4-BE49-F238E27FC236}">
-                <a16:creationId xmlns:a16="http://schemas.microsoft.com/office/drawing/2014/main" xmlns="" id="{E8CAC22F-1542-4031-BC6C-A16989886504}"/>
+                <a16:creationId xmlns:a16="http://schemas.microsoft.com/office/drawing/2014/main" id="{E8CAC22F-1542-4031-BC6C-A16989886504}"/>
               </a:ext>
             </a:extLst>
           </p:cNvPr>
@@ -12555,7 +12467,7 @@
           <p:cNvPr id="40" name="Picture 39">
             <a:extLst>
               <a:ext uri="{FF2B5EF4-FFF2-40B4-BE49-F238E27FC236}">
-                <a16:creationId xmlns:a16="http://schemas.microsoft.com/office/drawing/2014/main" xmlns="" id="{DA60E6FB-8C44-4FEB-B6E9-83DA908565CD}"/>
+                <a16:creationId xmlns:a16="http://schemas.microsoft.com/office/drawing/2014/main" id="{DA60E6FB-8C44-4FEB-B6E9-83DA908565CD}"/>
               </a:ext>
             </a:extLst>
           </p:cNvPr>
@@ -12591,7 +12503,7 @@
           <p:cNvPr id="41" name="Straight Connector 40">
             <a:extLst>
               <a:ext uri="{FF2B5EF4-FFF2-40B4-BE49-F238E27FC236}">
-                <a16:creationId xmlns:a16="http://schemas.microsoft.com/office/drawing/2014/main" xmlns="" id="{3B3B7D73-CAE9-45AC-ACCE-FAEF4E505C7A}"/>
+                <a16:creationId xmlns:a16="http://schemas.microsoft.com/office/drawing/2014/main" id="{3B3B7D73-CAE9-45AC-ACCE-FAEF4E505C7A}"/>
               </a:ext>
             </a:extLst>
           </p:cNvPr>
@@ -12627,7 +12539,7 @@
           <p:cNvPr id="2" name="TextBox 1">
             <a:extLst>
               <a:ext uri="{FF2B5EF4-FFF2-40B4-BE49-F238E27FC236}">
-                <a16:creationId xmlns:a16="http://schemas.microsoft.com/office/drawing/2014/main" xmlns="" id="{5BDA29A0-9F03-4703-BF07-08CD1D51080B}"/>
+                <a16:creationId xmlns:a16="http://schemas.microsoft.com/office/drawing/2014/main" id="{5BDA29A0-9F03-4703-BF07-08CD1D51080B}"/>
               </a:ext>
             </a:extLst>
           </p:cNvPr>
@@ -12846,7 +12758,7 @@
           <p:cNvPr id="37" name="TextBox 36">
             <a:extLst>
               <a:ext uri="{FF2B5EF4-FFF2-40B4-BE49-F238E27FC236}">
-                <a16:creationId xmlns:a16="http://schemas.microsoft.com/office/drawing/2014/main" xmlns="" id="{E8CAC22F-1542-4031-BC6C-A16989886504}"/>
+                <a16:creationId xmlns:a16="http://schemas.microsoft.com/office/drawing/2014/main" id="{E8CAC22F-1542-4031-BC6C-A16989886504}"/>
               </a:ext>
             </a:extLst>
           </p:cNvPr>
@@ -12899,7 +12811,7 @@
           <p:cNvPr id="40" name="Picture 39">
             <a:extLst>
               <a:ext uri="{FF2B5EF4-FFF2-40B4-BE49-F238E27FC236}">
-                <a16:creationId xmlns:a16="http://schemas.microsoft.com/office/drawing/2014/main" xmlns="" id="{DA60E6FB-8C44-4FEB-B6E9-83DA908565CD}"/>
+                <a16:creationId xmlns:a16="http://schemas.microsoft.com/office/drawing/2014/main" id="{DA60E6FB-8C44-4FEB-B6E9-83DA908565CD}"/>
               </a:ext>
             </a:extLst>
           </p:cNvPr>
@@ -12935,7 +12847,7 @@
           <p:cNvPr id="41" name="Straight Connector 40">
             <a:extLst>
               <a:ext uri="{FF2B5EF4-FFF2-40B4-BE49-F238E27FC236}">
-                <a16:creationId xmlns:a16="http://schemas.microsoft.com/office/drawing/2014/main" xmlns="" id="{3B3B7D73-CAE9-45AC-ACCE-FAEF4E505C7A}"/>
+                <a16:creationId xmlns:a16="http://schemas.microsoft.com/office/drawing/2014/main" id="{3B3B7D73-CAE9-45AC-ACCE-FAEF4E505C7A}"/>
               </a:ext>
             </a:extLst>
           </p:cNvPr>
@@ -12971,7 +12883,7 @@
           <p:cNvPr id="2" name="Picture 1">
             <a:extLst>
               <a:ext uri="{FF2B5EF4-FFF2-40B4-BE49-F238E27FC236}">
-                <a16:creationId xmlns:a16="http://schemas.microsoft.com/office/drawing/2014/main" xmlns="" id="{30AA622A-1614-4C9C-9193-301E34666FDE}"/>
+                <a16:creationId xmlns:a16="http://schemas.microsoft.com/office/drawing/2014/main" id="{30AA622A-1614-4C9C-9193-301E34666FDE}"/>
               </a:ext>
             </a:extLst>
           </p:cNvPr>
